--- a/slides/maxsum_recorded.pptx
+++ b/slides/maxsum_recorded.pptx
@@ -4801,7 +4801,7 @@
         </p:blipFill>
         <p:spPr>
           <a:xfrm>
-            <a:off x="95415" y="4587520"/>
+            <a:off x="0" y="4435120"/>
             <a:ext cx="8881606" cy="1625097"/>
           </a:xfrm>
           <a:prstGeom prst="rect">
@@ -6010,7 +6010,7 @@
         </p:blipFill>
         <p:spPr>
           <a:xfrm>
-            <a:off x="95415" y="4587520"/>
+            <a:off x="457200" y="4604454"/>
             <a:ext cx="8881606" cy="1625097"/>
           </a:xfrm>
           <a:prstGeom prst="rect">
